--- a/chapter-04/05-secrets/04_05_secrets.pptx
+++ b/chapter-04/05-secrets/04_05_secrets.pptx
@@ -17,11 +17,12 @@
     <p:sldMasterId id="2147483674" r:id="rId13"/>
   </p:sldMasterIdLst>
   <p:notesMasterIdLst>
-    <p:notesMasterId r:id="rId16"/>
+    <p:notesMasterId r:id="rId17"/>
   </p:notesMasterIdLst>
   <p:sldIdLst>
     <p:sldId id="259" r:id="rId14"/>
-    <p:sldId id="262" r:id="rId15"/>
+    <p:sldId id="263" r:id="rId15"/>
+    <p:sldId id="262" r:id="rId16"/>
   </p:sldIdLst>
   <p:sldSz cx="12192000" cy="6858000"/>
   <p:notesSz cx="9144000" cy="6858000"/>
@@ -15327,6 +15328,178 @@
       </p:grpSpPr>
       <p:sp>
         <p:nvSpPr>
+          <p:cNvPr id="7" name="Title 6">
+            <a:extLst>
+              <a:ext uri="{FF2B5EF4-FFF2-40B4-BE49-F238E27FC236}">
+                <a16:creationId xmlns:a16="http://schemas.microsoft.com/office/drawing/2014/main" id="{243D0A70-CC50-6459-F89C-A1AD96694B01}"/>
+              </a:ext>
+            </a:extLst>
+          </p:cNvPr>
+          <p:cNvSpPr>
+            <a:spLocks noGrp="1"/>
+          </p:cNvSpPr>
+          <p:nvPr>
+            <p:ph type="title"/>
+          </p:nvPr>
+        </p:nvSpPr>
+        <p:spPr/>
+        <p:txBody>
+          <a:bodyPr/>
+          <a:lstStyle/>
+          <a:p>
+            <a:r>
+              <a:rPr lang="en-US" dirty="0"/>
+              <a:t>Secrets</a:t>
+            </a:r>
+          </a:p>
+        </p:txBody>
+      </p:sp>
+      <p:sp>
+        <p:nvSpPr>
+          <p:cNvPr id="5" name="Text Placeholder 4">
+            <a:extLst>
+              <a:ext uri="{FF2B5EF4-FFF2-40B4-BE49-F238E27FC236}">
+                <a16:creationId xmlns:a16="http://schemas.microsoft.com/office/drawing/2014/main" id="{E4A9EF0F-938B-4F9C-A053-B7ADE53DA43E}"/>
+              </a:ext>
+            </a:extLst>
+          </p:cNvPr>
+          <p:cNvSpPr>
+            <a:spLocks noGrp="1"/>
+          </p:cNvSpPr>
+          <p:nvPr>
+            <p:ph type="body" sz="quarter" idx="10"/>
+          </p:nvPr>
+        </p:nvSpPr>
+        <p:spPr/>
+        <p:txBody>
+          <a:bodyPr/>
+          <a:lstStyle/>
+          <a:p>
+            <a:pPr lvl="0"/>
+            <a:r>
+              <a:rPr lang="en-US" altLang="en-US" dirty="0"/>
+              <a:t>containers:</a:t>
+            </a:r>
+          </a:p>
+          <a:p>
+            <a:pPr lvl="0"/>
+            <a:r>
+              <a:rPr lang="en-US" altLang="en-US" dirty="0"/>
+              <a:t>  image: nginx</a:t>
+            </a:r>
+          </a:p>
+          <a:p>
+            <a:pPr lvl="0"/>
+            <a:r>
+              <a:rPr lang="en-US" altLang="en-US" dirty="0"/>
+              <a:t>  name: nginx</a:t>
+            </a:r>
+          </a:p>
+          <a:p>
+            <a:pPr lvl="0"/>
+            <a:r>
+              <a:rPr lang="en-US" altLang="en-US" dirty="0"/>
+              <a:t>  env:</a:t>
+            </a:r>
+          </a:p>
+          <a:p>
+            <a:pPr lvl="0"/>
+            <a:r>
+              <a:rPr lang="en-US" altLang="en-US" dirty="0"/>
+              <a:t>    - name: ENVIRONMENT_VARIABLE_NAME</a:t>
+            </a:r>
+          </a:p>
+          <a:p>
+            <a:pPr lvl="0"/>
+            <a:r>
+              <a:rPr lang="en-US" altLang="en-US" dirty="0"/>
+              <a:t>      </a:t>
+            </a:r>
+            <a:r>
+              <a:rPr lang="en-US" altLang="en-US" dirty="0" err="1"/>
+              <a:t>valueFrom</a:t>
+            </a:r>
+            <a:r>
+              <a:rPr lang="en-US" altLang="en-US" dirty="0"/>
+              <a:t>:</a:t>
+            </a:r>
+          </a:p>
+          <a:p>
+            <a:pPr lvl="0"/>
+            <a:r>
+              <a:rPr lang="en-US" altLang="en-US" dirty="0"/>
+              <a:t>        </a:t>
+            </a:r>
+            <a:r>
+              <a:rPr lang="en-US" altLang="en-US" dirty="0" err="1"/>
+              <a:t>secretKeyRef</a:t>
+            </a:r>
+            <a:r>
+              <a:rPr lang="en-US" altLang="en-US" dirty="0"/>
+              <a:t>:</a:t>
+            </a:r>
+          </a:p>
+          <a:p>
+            <a:pPr lvl="0"/>
+            <a:r>
+              <a:rPr lang="en-US" altLang="en-US" dirty="0"/>
+              <a:t>          name: </a:t>
+            </a:r>
+            <a:r>
+              <a:rPr lang="en-US" altLang="en-US" dirty="0" err="1"/>
+              <a:t>thesecret</a:t>
+            </a:r>
+            <a:endParaRPr lang="en-US" altLang="en-US" dirty="0"/>
+          </a:p>
+          <a:p>
+            <a:pPr lvl="0"/>
+            <a:r>
+              <a:rPr lang="en-US" altLang="en-US" dirty="0"/>
+              <a:t>          key: </a:t>
+            </a:r>
+            <a:r>
+              <a:rPr lang="en-US" altLang="en-US" dirty="0" err="1"/>
+              <a:t>thekey</a:t>
+            </a:r>
+            <a:endParaRPr lang="en-US" dirty="0"/>
+          </a:p>
+          <a:p>
+            <a:endParaRPr lang="en-US" dirty="0"/>
+          </a:p>
+        </p:txBody>
+      </p:sp>
+    </p:spTree>
+    <p:extLst>
+      <p:ext uri="{BB962C8B-B14F-4D97-AF65-F5344CB8AC3E}">
+        <p14:creationId xmlns:p14="http://schemas.microsoft.com/office/powerpoint/2010/main" val="994463464"/>
+      </p:ext>
+    </p:extLst>
+  </p:cSld>
+  <p:clrMapOvr>
+    <a:masterClrMapping/>
+  </p:clrMapOvr>
+</p:sld>
+</file>
+
+<file path=ppt/slides/slide3.xml><?xml version="1.0" encoding="utf-8"?>
+<p:sld xmlns:a="http://schemas.openxmlformats.org/drawingml/2006/main" xmlns:r="http://schemas.openxmlformats.org/officeDocument/2006/relationships" xmlns:p="http://schemas.openxmlformats.org/presentationml/2006/main">
+  <p:cSld>
+    <p:spTree>
+      <p:nvGrpSpPr>
+        <p:cNvPr id="1" name=""/>
+        <p:cNvGrpSpPr/>
+        <p:nvPr/>
+      </p:nvGrpSpPr>
+      <p:grpSpPr>
+        <a:xfrm>
+          <a:off x="0" y="0"/>
+          <a:ext cx="0" cy="0"/>
+          <a:chOff x="0" y="0"/>
+          <a:chExt cx="0" cy="0"/>
+        </a:xfrm>
+      </p:grpSpPr>
+      <p:sp>
+        <p:nvSpPr>
           <p:cNvPr id="2" name="Title 1">
             <a:extLst>
               <a:ext uri="{FF2B5EF4-FFF2-40B4-BE49-F238E27FC236}">

--- a/chapter-04/05-secrets/04_05_secrets.pptx
+++ b/chapter-04/05-secrets/04_05_secrets.pptx
@@ -259,7 +259,7 @@
           <a:p>
             <a:fld id="{7C2A2C10-8C9F-9B42-9862-A5B84F1CAB8B}" type="datetimeFigureOut">
               <a:rPr lang="en-US" smtClean="0"/>
-              <a:t>4/14/2023</a:t>
+              <a:t>4/16/2023</a:t>
             </a:fld>
             <a:endParaRPr lang="en-US"/>
           </a:p>
@@ -15557,7 +15557,7 @@
             </a:r>
             <a:r>
               <a:rPr lang="en-US" dirty="0"/>
-              <a:t>’ in the ‘chapter-04’ namespace, and add the “exam” key with “CKAD” as the value</a:t>
+              <a:t>’ in the ‘chapter-04’ namespace and add the “exam” key with “CKAD” as the value</a:t>
             </a:r>
           </a:p>
           <a:p>
@@ -15577,7 +15577,7 @@
           <a:p>
             <a:r>
               <a:rPr lang="en-US" dirty="0"/>
-              <a:t>Add an environment variable named MY_EXAM_ENV that reads the value of ‘exam’ in ‘</a:t>
+              <a:t>Add an environment variable named MY_EXAM_ENV that reads the value of ‘exam’ from ‘</a:t>
             </a:r>
             <a:r>
               <a:rPr lang="en-US" dirty="0" err="1"/>
